--- a/filesForGitHub/quick_start/Quick Guide.pptx
+++ b/filesForGitHub/quick_start/Quick Guide.pptx
@@ -3119,8 +3119,12 @@
           <a:lstStyle/>
           <a:p>
             <a:r>
-              <a:rPr lang="en-US" altLang="ko-KR" dirty="0" smtClean="0"/>
-              <a:t>Quick Guide</a:t>
+              <a:rPr lang="en-US" altLang="ko-KR" smtClean="0"/>
+              <a:t>Quick </a:t>
+            </a:r>
+            <a:r>
+              <a:rPr lang="en-US" altLang="ko-KR" smtClean="0"/>
+              <a:t>Guide</a:t>
             </a:r>
             <a:endParaRPr lang="ko-KR" altLang="en-US" dirty="0"/>
           </a:p>
@@ -3938,11 +3942,7 @@
           <a:p>
             <a:r>
               <a:rPr lang="en-US" altLang="ko-KR" dirty="0" smtClean="0"/>
-              <a:t>Create UML Project </a:t>
-            </a:r>
-            <a:r>
-              <a:rPr lang="en-US" altLang="ko-KR" dirty="0" smtClean="0"/>
-              <a:t>(2/3)</a:t>
+              <a:t>Create UML Project (2/3)</a:t>
             </a:r>
             <a:endParaRPr lang="ko-KR" altLang="en-US" dirty="0"/>
           </a:p>
@@ -4069,11 +4069,7 @@
           <a:p>
             <a:r>
               <a:rPr lang="en-US" altLang="ko-KR" dirty="0" smtClean="0"/>
-              <a:t>Create UML Project </a:t>
-            </a:r>
-            <a:r>
-              <a:rPr lang="en-US" altLang="ko-KR" dirty="0" smtClean="0"/>
-              <a:t>(3/3)</a:t>
+              <a:t>Create UML Project (3/3)</a:t>
             </a:r>
             <a:endParaRPr lang="ko-KR" altLang="en-US" dirty="0"/>
           </a:p>

--- a/filesForGitHub/quick_start/Quick Guide.pptx
+++ b/filesForGitHub/quick_start/Quick Guide.pptx
@@ -296,7 +296,7 @@
           <a:p>
             <a:fld id="{6398F095-0568-4AE7-9FC3-25AA0A973D94}" type="datetimeFigureOut">
               <a:rPr lang="ko-KR" altLang="en-US" smtClean="0"/>
-              <a:t>2015-10-14</a:t>
+              <a:t>2015-10-15</a:t>
             </a:fld>
             <a:endParaRPr lang="ko-KR" altLang="en-US"/>
           </a:p>
@@ -466,7 +466,7 @@
           <a:p>
             <a:fld id="{6398F095-0568-4AE7-9FC3-25AA0A973D94}" type="datetimeFigureOut">
               <a:rPr lang="ko-KR" altLang="en-US" smtClean="0"/>
-              <a:t>2015-10-14</a:t>
+              <a:t>2015-10-15</a:t>
             </a:fld>
             <a:endParaRPr lang="ko-KR" altLang="en-US"/>
           </a:p>
@@ -646,7 +646,7 @@
           <a:p>
             <a:fld id="{6398F095-0568-4AE7-9FC3-25AA0A973D94}" type="datetimeFigureOut">
               <a:rPr lang="ko-KR" altLang="en-US" smtClean="0"/>
-              <a:t>2015-10-14</a:t>
+              <a:t>2015-10-15</a:t>
             </a:fld>
             <a:endParaRPr lang="ko-KR" altLang="en-US"/>
           </a:p>
@@ -816,7 +816,7 @@
           <a:p>
             <a:fld id="{6398F095-0568-4AE7-9FC3-25AA0A973D94}" type="datetimeFigureOut">
               <a:rPr lang="ko-KR" altLang="en-US" smtClean="0"/>
-              <a:t>2015-10-14</a:t>
+              <a:t>2015-10-15</a:t>
             </a:fld>
             <a:endParaRPr lang="ko-KR" altLang="en-US"/>
           </a:p>
@@ -1062,7 +1062,7 @@
           <a:p>
             <a:fld id="{6398F095-0568-4AE7-9FC3-25AA0A973D94}" type="datetimeFigureOut">
               <a:rPr lang="ko-KR" altLang="en-US" smtClean="0"/>
-              <a:t>2015-10-14</a:t>
+              <a:t>2015-10-15</a:t>
             </a:fld>
             <a:endParaRPr lang="ko-KR" altLang="en-US"/>
           </a:p>
@@ -1350,7 +1350,7 @@
           <a:p>
             <a:fld id="{6398F095-0568-4AE7-9FC3-25AA0A973D94}" type="datetimeFigureOut">
               <a:rPr lang="ko-KR" altLang="en-US" smtClean="0"/>
-              <a:t>2015-10-14</a:t>
+              <a:t>2015-10-15</a:t>
             </a:fld>
             <a:endParaRPr lang="ko-KR" altLang="en-US"/>
           </a:p>
@@ -1772,7 +1772,7 @@
           <a:p>
             <a:fld id="{6398F095-0568-4AE7-9FC3-25AA0A973D94}" type="datetimeFigureOut">
               <a:rPr lang="ko-KR" altLang="en-US" smtClean="0"/>
-              <a:t>2015-10-14</a:t>
+              <a:t>2015-10-15</a:t>
             </a:fld>
             <a:endParaRPr lang="ko-KR" altLang="en-US"/>
           </a:p>
@@ -1890,7 +1890,7 @@
           <a:p>
             <a:fld id="{6398F095-0568-4AE7-9FC3-25AA0A973D94}" type="datetimeFigureOut">
               <a:rPr lang="ko-KR" altLang="en-US" smtClean="0"/>
-              <a:t>2015-10-14</a:t>
+              <a:t>2015-10-15</a:t>
             </a:fld>
             <a:endParaRPr lang="ko-KR" altLang="en-US"/>
           </a:p>
@@ -1985,7 +1985,7 @@
           <a:p>
             <a:fld id="{6398F095-0568-4AE7-9FC3-25AA0A973D94}" type="datetimeFigureOut">
               <a:rPr lang="ko-KR" altLang="en-US" smtClean="0"/>
-              <a:t>2015-10-14</a:t>
+              <a:t>2015-10-15</a:t>
             </a:fld>
             <a:endParaRPr lang="ko-KR" altLang="en-US"/>
           </a:p>
@@ -2262,7 +2262,7 @@
           <a:p>
             <a:fld id="{6398F095-0568-4AE7-9FC3-25AA0A973D94}" type="datetimeFigureOut">
               <a:rPr lang="ko-KR" altLang="en-US" smtClean="0"/>
-              <a:t>2015-10-14</a:t>
+              <a:t>2015-10-15</a:t>
             </a:fld>
             <a:endParaRPr lang="ko-KR" altLang="en-US"/>
           </a:p>
@@ -2515,7 +2515,7 @@
           <a:p>
             <a:fld id="{6398F095-0568-4AE7-9FC3-25AA0A973D94}" type="datetimeFigureOut">
               <a:rPr lang="ko-KR" altLang="en-US" smtClean="0"/>
-              <a:t>2015-10-14</a:t>
+              <a:t>2015-10-15</a:t>
             </a:fld>
             <a:endParaRPr lang="ko-KR" altLang="en-US"/>
           </a:p>
@@ -2728,7 +2728,7 @@
           <a:p>
             <a:fld id="{6398F095-0568-4AE7-9FC3-25AA0A973D94}" type="datetimeFigureOut">
               <a:rPr lang="ko-KR" altLang="en-US" smtClean="0"/>
-              <a:t>2015-10-14</a:t>
+              <a:t>2015-10-15</a:t>
             </a:fld>
             <a:endParaRPr lang="ko-KR" altLang="en-US"/>
           </a:p>
@@ -3113,34 +3113,12 @@
             <p:ph type="ctrTitle"/>
           </p:nvPr>
         </p:nvSpPr>
-        <p:spPr/>
-        <p:txBody>
-          <a:bodyPr/>
-          <a:lstStyle/>
-          <a:p>
-            <a:r>
-              <a:rPr lang="en-US" altLang="ko-KR" smtClean="0"/>
-              <a:t>Quick </a:t>
-            </a:r>
-            <a:r>
-              <a:rPr lang="en-US" altLang="ko-KR" smtClean="0"/>
-              <a:t>Guide</a:t>
-            </a:r>
-            <a:endParaRPr lang="ko-KR" altLang="en-US" dirty="0"/>
-          </a:p>
-        </p:txBody>
-      </p:sp>
-      <p:sp>
-        <p:nvSpPr>
-          <p:cNvPr id="3" name="부제목 2"/>
-          <p:cNvSpPr>
-            <a:spLocks noGrp="1"/>
-          </p:cNvSpPr>
-          <p:nvPr>
-            <p:ph type="subTitle" idx="1"/>
-          </p:nvPr>
-        </p:nvSpPr>
-        <p:spPr/>
+        <p:spPr>
+          <a:xfrm>
+            <a:off x="685800" y="3573016"/>
+            <a:ext cx="7772400" cy="1470025"/>
+          </a:xfrm>
+        </p:spPr>
         <p:txBody>
           <a:bodyPr>
             <a:normAutofit/>
@@ -3148,10 +3126,96 @@
           <a:lstStyle/>
           <a:p>
             <a:r>
-              <a:rPr lang="en-US" altLang="ko-KR" sz="2400" dirty="0" smtClean="0"/>
-              <a:t>NEXCORE UML Modeler</a:t>
-            </a:r>
-            <a:endParaRPr lang="ko-KR" altLang="en-US" sz="2400" dirty="0"/>
+              <a:rPr lang="en-US" altLang="ko-KR" sz="3600" dirty="0" smtClean="0"/>
+              <a:t>Quick Guide</a:t>
+            </a:r>
+            <a:endParaRPr lang="ko-KR" altLang="en-US" sz="3600" dirty="0"/>
+          </a:p>
+        </p:txBody>
+      </p:sp>
+      <p:sp>
+        <p:nvSpPr>
+          <p:cNvPr id="3" name="부제목 2"/>
+          <p:cNvSpPr>
+            <a:spLocks noGrp="1"/>
+          </p:cNvSpPr>
+          <p:nvPr>
+            <p:ph type="subTitle" idx="1"/>
+          </p:nvPr>
+        </p:nvSpPr>
+        <p:spPr>
+          <a:xfrm>
+            <a:off x="1371600" y="1556792"/>
+            <a:ext cx="6400800" cy="1752600"/>
+          </a:xfrm>
+        </p:spPr>
+        <p:txBody>
+          <a:bodyPr>
+            <a:normAutofit/>
+          </a:bodyPr>
+          <a:lstStyle/>
+          <a:p>
+            <a:r>
+              <a:rPr lang="en-US" altLang="ko-KR" b="1" dirty="0" smtClean="0">
+                <a:solidFill>
+                  <a:schemeClr val="accent1"/>
+                </a:solidFill>
+              </a:rPr>
+              <a:t>NEXCORE UML </a:t>
+            </a:r>
+            <a:r>
+              <a:rPr lang="en-US" altLang="ko-KR" b="1" dirty="0" smtClean="0">
+                <a:solidFill>
+                  <a:schemeClr val="accent1"/>
+                </a:solidFill>
+              </a:rPr>
+              <a:t>Modeler</a:t>
+            </a:r>
+          </a:p>
+          <a:p>
+            <a:r>
+              <a:rPr lang="en-US" altLang="ko-KR" sz="2400" b="1" dirty="0" smtClean="0">
+                <a:solidFill>
+                  <a:schemeClr val="accent1"/>
+                </a:solidFill>
+              </a:rPr>
+              <a:t>(Apache License Version)</a:t>
+            </a:r>
+            <a:endParaRPr lang="ko-KR" altLang="en-US" sz="2400" b="1" dirty="0">
+              <a:solidFill>
+                <a:schemeClr val="accent1"/>
+              </a:solidFill>
+            </a:endParaRPr>
+          </a:p>
+        </p:txBody>
+      </p:sp>
+      <p:sp>
+        <p:nvSpPr>
+          <p:cNvPr id="4" name="TextBox 3"/>
+          <p:cNvSpPr txBox="1"/>
+          <p:nvPr/>
+        </p:nvSpPr>
+        <p:spPr>
+          <a:xfrm>
+            <a:off x="7423924" y="6196662"/>
+            <a:ext cx="1455848" cy="369332"/>
+          </a:xfrm>
+          <a:prstGeom prst="rect">
+            <a:avLst/>
+          </a:prstGeom>
+          <a:noFill/>
+        </p:spPr>
+        <p:txBody>
+          <a:bodyPr wrap="none" rtlCol="0">
+            <a:spAutoFit/>
+          </a:bodyPr>
+          <a:lstStyle/>
+          <a:p>
+            <a:r>
+              <a:rPr lang="en-US" altLang="ko-KR" dirty="0" smtClean="0"/>
+              <a:t>SK Holdings</a:t>
+            </a:r>
+            <a:endParaRPr lang="ko-KR" altLang="en-US" dirty="0"/>
           </a:p>
         </p:txBody>
       </p:sp>
@@ -3978,9 +4042,158 @@
           <a:chExt cx="0" cy="0"/>
         </a:xfrm>
       </p:grpSpPr>
+      <p:sp>
+        <p:nvSpPr>
+          <p:cNvPr id="3" name="TextBox 2"/>
+          <p:cNvSpPr txBox="1"/>
+          <p:nvPr/>
+        </p:nvSpPr>
+        <p:spPr>
+          <a:xfrm>
+            <a:off x="251520" y="219998"/>
+            <a:ext cx="8640960" cy="369332"/>
+          </a:xfrm>
+          <a:prstGeom prst="rect">
+            <a:avLst/>
+          </a:prstGeom>
+        </p:spPr>
+        <p:style>
+          <a:lnRef idx="0">
+            <a:schemeClr val="accent1"/>
+          </a:lnRef>
+          <a:fillRef idx="3">
+            <a:schemeClr val="accent1"/>
+          </a:fillRef>
+          <a:effectRef idx="3">
+            <a:schemeClr val="accent1"/>
+          </a:effectRef>
+          <a:fontRef idx="minor">
+            <a:schemeClr val="lt1"/>
+          </a:fontRef>
+        </p:style>
+        <p:txBody>
+          <a:bodyPr wrap="square" rtlCol="0">
+            <a:spAutoFit/>
+          </a:bodyPr>
+          <a:lstStyle/>
+          <a:p>
+            <a:r>
+              <a:rPr lang="en-US" altLang="ko-KR" dirty="0" smtClean="0"/>
+              <a:t>Create UML Project (3/3)</a:t>
+            </a:r>
+            <a:endParaRPr lang="ko-KR" altLang="en-US" dirty="0"/>
+          </a:p>
+        </p:txBody>
+      </p:sp>
+      <p:sp>
+        <p:nvSpPr>
+          <p:cNvPr id="4" name="모서리가 둥근 사각형 설명선 3"/>
+          <p:cNvSpPr/>
+          <p:nvPr/>
+        </p:nvSpPr>
+        <p:spPr>
+          <a:xfrm>
+            <a:off x="249784" y="1412776"/>
+            <a:ext cx="1296144" cy="432048"/>
+          </a:xfrm>
+          <a:prstGeom prst="wedgeRoundRectCallout">
+            <a:avLst>
+              <a:gd name="adj1" fmla="val 124769"/>
+              <a:gd name="adj2" fmla="val 57081"/>
+              <a:gd name="adj3" fmla="val 16667"/>
+            </a:avLst>
+          </a:prstGeom>
+        </p:spPr>
+        <p:style>
+          <a:lnRef idx="1">
+            <a:schemeClr val="accent3"/>
+          </a:lnRef>
+          <a:fillRef idx="2">
+            <a:schemeClr val="accent3"/>
+          </a:fillRef>
+          <a:effectRef idx="1">
+            <a:schemeClr val="accent3"/>
+          </a:effectRef>
+          <a:fontRef idx="minor">
+            <a:schemeClr val="dk1"/>
+          </a:fontRef>
+        </p:style>
+        <p:txBody>
+          <a:bodyPr rtlCol="0" anchor="ctr"/>
+          <a:lstStyle/>
+          <a:p>
+            <a:pPr algn="ctr"/>
+            <a:r>
+              <a:rPr lang="en-US" altLang="ko-KR" sz="1200" dirty="0" smtClean="0"/>
+              <a:t>Write </a:t>
+            </a:r>
+          </a:p>
+          <a:p>
+            <a:pPr algn="ctr"/>
+            <a:r>
+              <a:rPr lang="en-US" altLang="ko-KR" sz="1200" dirty="0" smtClean="0"/>
+              <a:t>Project Name</a:t>
+            </a:r>
+            <a:endParaRPr lang="ko-KR" altLang="en-US" sz="1200" dirty="0"/>
+          </a:p>
+        </p:txBody>
+      </p:sp>
+      <p:sp>
+        <p:nvSpPr>
+          <p:cNvPr id="5" name="모서리가 둥근 사각형 설명선 4"/>
+          <p:cNvSpPr/>
+          <p:nvPr/>
+        </p:nvSpPr>
+        <p:spPr>
+          <a:xfrm>
+            <a:off x="251520" y="3384066"/>
+            <a:ext cx="1296144" cy="432048"/>
+          </a:xfrm>
+          <a:prstGeom prst="wedgeRoundRectCallout">
+            <a:avLst>
+              <a:gd name="adj1" fmla="val 119730"/>
+              <a:gd name="adj2" fmla="val 57081"/>
+              <a:gd name="adj3" fmla="val 16667"/>
+            </a:avLst>
+          </a:prstGeom>
+        </p:spPr>
+        <p:style>
+          <a:lnRef idx="1">
+            <a:schemeClr val="accent3"/>
+          </a:lnRef>
+          <a:fillRef idx="2">
+            <a:schemeClr val="accent3"/>
+          </a:fillRef>
+          <a:effectRef idx="1">
+            <a:schemeClr val="accent3"/>
+          </a:effectRef>
+          <a:fontRef idx="minor">
+            <a:schemeClr val="dk1"/>
+          </a:fontRef>
+        </p:style>
+        <p:txBody>
+          <a:bodyPr rtlCol="0" anchor="ctr"/>
+          <a:lstStyle/>
+          <a:p>
+            <a:pPr algn="ctr"/>
+            <a:r>
+              <a:rPr lang="en-US" altLang="ko-KR" sz="1200" dirty="0" smtClean="0"/>
+              <a:t>Write </a:t>
+            </a:r>
+          </a:p>
+          <a:p>
+            <a:pPr algn="ctr"/>
+            <a:r>
+              <a:rPr lang="en-US" altLang="ko-KR" sz="1200" dirty="0" smtClean="0"/>
+              <a:t>Model Name</a:t>
+            </a:r>
+            <a:endParaRPr lang="ko-KR" altLang="en-US" sz="1200" dirty="0"/>
+          </a:p>
+        </p:txBody>
+      </p:sp>
       <p:pic>
         <p:nvPicPr>
-          <p:cNvPr id="4098" name="Picture 2"/>
+          <p:cNvPr id="1026" name="Picture 2"/>
           <p:cNvPicPr>
             <a:picLocks noChangeAspect="1" noChangeArrowheads="1"/>
           </p:cNvPicPr>
@@ -4001,8 +4214,8 @@
         </p:blipFill>
         <p:spPr bwMode="auto">
           <a:xfrm>
-            <a:off x="2071688" y="764704"/>
-            <a:ext cx="5000625" cy="6102821"/>
+            <a:off x="2317939" y="764704"/>
+            <a:ext cx="4508122" cy="5932115"/>
           </a:xfrm>
           <a:prstGeom prst="rect">
             <a:avLst/>
@@ -4032,49 +4245,6 @@
           </a:extLst>
         </p:spPr>
       </p:pic>
-      <p:sp>
-        <p:nvSpPr>
-          <p:cNvPr id="3" name="TextBox 2"/>
-          <p:cNvSpPr txBox="1"/>
-          <p:nvPr/>
-        </p:nvSpPr>
-        <p:spPr>
-          <a:xfrm>
-            <a:off x="251520" y="219998"/>
-            <a:ext cx="8640960" cy="369332"/>
-          </a:xfrm>
-          <a:prstGeom prst="rect">
-            <a:avLst/>
-          </a:prstGeom>
-        </p:spPr>
-        <p:style>
-          <a:lnRef idx="0">
-            <a:schemeClr val="accent1"/>
-          </a:lnRef>
-          <a:fillRef idx="3">
-            <a:schemeClr val="accent1"/>
-          </a:fillRef>
-          <a:effectRef idx="3">
-            <a:schemeClr val="accent1"/>
-          </a:effectRef>
-          <a:fontRef idx="minor">
-            <a:schemeClr val="lt1"/>
-          </a:fontRef>
-        </p:style>
-        <p:txBody>
-          <a:bodyPr wrap="square" rtlCol="0">
-            <a:spAutoFit/>
-          </a:bodyPr>
-          <a:lstStyle/>
-          <a:p>
-            <a:r>
-              <a:rPr lang="en-US" altLang="ko-KR" dirty="0" smtClean="0"/>
-              <a:t>Create UML Project (3/3)</a:t>
-            </a:r>
-            <a:endParaRPr lang="ko-KR" altLang="en-US" dirty="0"/>
-          </a:p>
-        </p:txBody>
-      </p:sp>
     </p:spTree>
     <p:extLst>
       <p:ext uri="{BB962C8B-B14F-4D97-AF65-F5344CB8AC3E}">
@@ -4105,9 +4275,52 @@
           <a:chExt cx="0" cy="0"/>
         </a:xfrm>
       </p:grpSpPr>
+      <p:sp>
+        <p:nvSpPr>
+          <p:cNvPr id="3" name="TextBox 2"/>
+          <p:cNvSpPr txBox="1"/>
+          <p:nvPr/>
+        </p:nvSpPr>
+        <p:spPr>
+          <a:xfrm>
+            <a:off x="251520" y="219998"/>
+            <a:ext cx="8640960" cy="369332"/>
+          </a:xfrm>
+          <a:prstGeom prst="rect">
+            <a:avLst/>
+          </a:prstGeom>
+        </p:spPr>
+        <p:style>
+          <a:lnRef idx="0">
+            <a:schemeClr val="accent1"/>
+          </a:lnRef>
+          <a:fillRef idx="3">
+            <a:schemeClr val="accent1"/>
+          </a:fillRef>
+          <a:effectRef idx="3">
+            <a:schemeClr val="accent1"/>
+          </a:effectRef>
+          <a:fontRef idx="minor">
+            <a:schemeClr val="lt1"/>
+          </a:fontRef>
+        </p:style>
+        <p:txBody>
+          <a:bodyPr wrap="square" rtlCol="0">
+            <a:spAutoFit/>
+          </a:bodyPr>
+          <a:lstStyle/>
+          <a:p>
+            <a:r>
+              <a:rPr lang="en-US" altLang="ko-KR" dirty="0" smtClean="0"/>
+              <a:t>Create UML Diagrams</a:t>
+            </a:r>
+            <a:endParaRPr lang="ko-KR" altLang="en-US" dirty="0"/>
+          </a:p>
+        </p:txBody>
+      </p:sp>
       <p:pic>
         <p:nvPicPr>
-          <p:cNvPr id="5122" name="Picture 2"/>
+          <p:cNvPr id="2050" name="Picture 2"/>
           <p:cNvPicPr>
             <a:picLocks noChangeAspect="1" noChangeArrowheads="1"/>
           </p:cNvPicPr>
@@ -4128,8 +4341,8 @@
         </p:blipFill>
         <p:spPr bwMode="auto">
           <a:xfrm>
-            <a:off x="0" y="692696"/>
-            <a:ext cx="9182100" cy="6124575"/>
+            <a:off x="185056" y="742627"/>
+            <a:ext cx="8773887" cy="5580261"/>
           </a:xfrm>
           <a:prstGeom prst="rect">
             <a:avLst/>
@@ -4161,62 +4374,19 @@
       </p:pic>
       <p:sp>
         <p:nvSpPr>
-          <p:cNvPr id="3" name="TextBox 2"/>
-          <p:cNvSpPr txBox="1"/>
+          <p:cNvPr id="7" name="모서리가 둥근 사각형 설명선 6"/>
+          <p:cNvSpPr/>
           <p:nvPr/>
         </p:nvSpPr>
         <p:spPr>
           <a:xfrm>
-            <a:off x="251520" y="219998"/>
-            <a:ext cx="8640960" cy="369332"/>
-          </a:xfrm>
-          <a:prstGeom prst="rect">
-            <a:avLst/>
-          </a:prstGeom>
-        </p:spPr>
-        <p:style>
-          <a:lnRef idx="0">
-            <a:schemeClr val="accent1"/>
-          </a:lnRef>
-          <a:fillRef idx="3">
-            <a:schemeClr val="accent1"/>
-          </a:fillRef>
-          <a:effectRef idx="3">
-            <a:schemeClr val="accent1"/>
-          </a:effectRef>
-          <a:fontRef idx="minor">
-            <a:schemeClr val="lt1"/>
-          </a:fontRef>
-        </p:style>
-        <p:txBody>
-          <a:bodyPr wrap="square" rtlCol="0">
-            <a:spAutoFit/>
-          </a:bodyPr>
-          <a:lstStyle/>
-          <a:p>
-            <a:r>
-              <a:rPr lang="en-US" altLang="ko-KR" dirty="0" smtClean="0"/>
-              <a:t>Create UML Diagrams</a:t>
-            </a:r>
-            <a:endParaRPr lang="ko-KR" altLang="en-US" dirty="0"/>
-          </a:p>
-        </p:txBody>
-      </p:sp>
-      <p:sp>
-        <p:nvSpPr>
-          <p:cNvPr id="4" name="모서리가 둥근 사각형 설명선 3"/>
-          <p:cNvSpPr/>
-          <p:nvPr/>
-        </p:nvSpPr>
-        <p:spPr>
-          <a:xfrm>
-            <a:off x="251520" y="3861048"/>
+            <a:off x="185056" y="3088133"/>
             <a:ext cx="1008112" cy="432048"/>
           </a:xfrm>
           <a:prstGeom prst="wedgeRoundRectCallout">
             <a:avLst>
-              <a:gd name="adj1" fmla="val 14441"/>
-              <a:gd name="adj2" fmla="val -338741"/>
+              <a:gd name="adj1" fmla="val 18220"/>
+              <a:gd name="adj2" fmla="val -229980"/>
               <a:gd name="adj3" fmla="val 16667"/>
             </a:avLst>
           </a:prstGeom>
@@ -4278,9 +4448,60 @@
           <a:chExt cx="0" cy="0"/>
         </a:xfrm>
       </p:grpSpPr>
+      <p:sp>
+        <p:nvSpPr>
+          <p:cNvPr id="4" name="TextBox 3"/>
+          <p:cNvSpPr txBox="1"/>
+          <p:nvPr/>
+        </p:nvSpPr>
+        <p:spPr>
+          <a:xfrm>
+            <a:off x="251520" y="219998"/>
+            <a:ext cx="8640960" cy="369332"/>
+          </a:xfrm>
+          <a:prstGeom prst="rect">
+            <a:avLst/>
+          </a:prstGeom>
+        </p:spPr>
+        <p:style>
+          <a:lnRef idx="0">
+            <a:schemeClr val="accent1"/>
+          </a:lnRef>
+          <a:fillRef idx="3">
+            <a:schemeClr val="accent1"/>
+          </a:fillRef>
+          <a:effectRef idx="3">
+            <a:schemeClr val="accent1"/>
+          </a:effectRef>
+          <a:fontRef idx="minor">
+            <a:schemeClr val="lt1"/>
+          </a:fontRef>
+        </p:style>
+        <p:txBody>
+          <a:bodyPr wrap="square" rtlCol="0">
+            <a:spAutoFit/>
+          </a:bodyPr>
+          <a:lstStyle/>
+          <a:p>
+            <a:r>
+              <a:rPr lang="en-US" altLang="ko-KR" dirty="0" smtClean="0"/>
+              <a:t>Design</a:t>
+            </a:r>
+            <a:r>
+              <a:rPr lang="en-US" altLang="ko-KR" dirty="0" smtClean="0"/>
+              <a:t> </a:t>
+            </a:r>
+            <a:r>
+              <a:rPr lang="en-US" altLang="ko-KR" dirty="0" smtClean="0"/>
+              <a:t>UML Diagrams</a:t>
+            </a:r>
+            <a:endParaRPr lang="ko-KR" altLang="en-US" dirty="0"/>
+          </a:p>
+        </p:txBody>
+      </p:sp>
       <p:pic>
         <p:nvPicPr>
-          <p:cNvPr id="6146" name="Picture 2"/>
+          <p:cNvPr id="3074" name="Picture 2"/>
           <p:cNvPicPr>
             <a:picLocks noChangeAspect="1" noChangeArrowheads="1"/>
           </p:cNvPicPr>
@@ -4301,8 +4522,8 @@
         </p:blipFill>
         <p:spPr bwMode="auto">
           <a:xfrm>
-            <a:off x="0" y="701080"/>
-            <a:ext cx="9191625" cy="6172200"/>
+            <a:off x="86668" y="764704"/>
+            <a:ext cx="9024292" cy="5737123"/>
           </a:xfrm>
           <a:prstGeom prst="rect">
             <a:avLst/>
@@ -4332,49 +4553,6 @@
           </a:extLst>
         </p:spPr>
       </p:pic>
-      <p:sp>
-        <p:nvSpPr>
-          <p:cNvPr id="4" name="TextBox 3"/>
-          <p:cNvSpPr txBox="1"/>
-          <p:nvPr/>
-        </p:nvSpPr>
-        <p:spPr>
-          <a:xfrm>
-            <a:off x="251520" y="219998"/>
-            <a:ext cx="8640960" cy="369332"/>
-          </a:xfrm>
-          <a:prstGeom prst="rect">
-            <a:avLst/>
-          </a:prstGeom>
-        </p:spPr>
-        <p:style>
-          <a:lnRef idx="0">
-            <a:schemeClr val="accent1"/>
-          </a:lnRef>
-          <a:fillRef idx="3">
-            <a:schemeClr val="accent1"/>
-          </a:fillRef>
-          <a:effectRef idx="3">
-            <a:schemeClr val="accent1"/>
-          </a:effectRef>
-          <a:fontRef idx="minor">
-            <a:schemeClr val="lt1"/>
-          </a:fontRef>
-        </p:style>
-        <p:txBody>
-          <a:bodyPr wrap="square" rtlCol="0">
-            <a:spAutoFit/>
-          </a:bodyPr>
-          <a:lstStyle/>
-          <a:p>
-            <a:r>
-              <a:rPr lang="en-US" altLang="ko-KR" dirty="0" smtClean="0"/>
-              <a:t>Use UML Diagrams</a:t>
-            </a:r>
-            <a:endParaRPr lang="ko-KR" altLang="en-US" dirty="0"/>
-          </a:p>
-        </p:txBody>
-      </p:sp>
     </p:spTree>
     <p:extLst>
       <p:ext uri="{BB962C8B-B14F-4D97-AF65-F5344CB8AC3E}">

--- a/filesForGitHub/quick_start/Quick Guide.pptx
+++ b/filesForGitHub/quick_start/Quick Guide.pptx
@@ -3126,8 +3126,12 @@
           <a:lstStyle/>
           <a:p>
             <a:r>
-              <a:rPr lang="en-US" altLang="ko-KR" sz="3600" dirty="0" smtClean="0"/>
-              <a:t>Quick Guide</a:t>
+              <a:rPr lang="en-US" altLang="ko-KR" sz="3600" smtClean="0"/>
+              <a:t>Quick </a:t>
+            </a:r>
+            <a:r>
+              <a:rPr lang="en-US" altLang="ko-KR" sz="3600" smtClean="0"/>
+              <a:t>Guide</a:t>
             </a:r>
             <a:endParaRPr lang="ko-KR" altLang="en-US" sz="3600" dirty="0"/>
           </a:p>
@@ -3161,15 +3165,7 @@
                   <a:schemeClr val="accent1"/>
                 </a:solidFill>
               </a:rPr>
-              <a:t>NEXCORE UML </a:t>
-            </a:r>
-            <a:r>
-              <a:rPr lang="en-US" altLang="ko-KR" b="1" dirty="0" smtClean="0">
-                <a:solidFill>
-                  <a:schemeClr val="accent1"/>
-                </a:solidFill>
-              </a:rPr>
-              <a:t>Modeler</a:t>
+              <a:t>NEXCORE UML Modeler</a:t>
             </a:r>
           </a:p>
           <a:p>
@@ -4485,15 +4481,7 @@
           <a:p>
             <a:r>
               <a:rPr lang="en-US" altLang="ko-KR" dirty="0" smtClean="0"/>
-              <a:t>Design</a:t>
-            </a:r>
-            <a:r>
-              <a:rPr lang="en-US" altLang="ko-KR" dirty="0" smtClean="0"/>
-              <a:t> </a:t>
-            </a:r>
-            <a:r>
-              <a:rPr lang="en-US" altLang="ko-KR" dirty="0" smtClean="0"/>
-              <a:t>UML Diagrams</a:t>
+              <a:t>Design UML Diagrams</a:t>
             </a:r>
             <a:endParaRPr lang="ko-KR" altLang="en-US" dirty="0"/>
           </a:p>
